--- a/presentation/euro_python_pmack_2015_final_draft3.pptx
+++ b/presentation/euro_python_pmack_2015_final_draft3.pptx
@@ -188,7 +188,7 @@
             <a:fld id="{0857F2B8-DC41-4C66-AA0C-DCBEEC6935BA}" type="datetimeFigureOut">
               <a:rPr lang="de-DE" smtClean="0"/>
               <a:pPr algn="l"/>
-              <a:t>19.07.2015</a:t>
+              <a:t>22.07.2015</a:t>
             </a:fld>
             <a:endParaRPr lang="de-DE"/>
           </a:p>
@@ -329,7 +329,7 @@
             <a:fld id="{A38C7675-B12B-4D1C-8967-FC4B696D9077}" type="datetimeFigureOut">
               <a:rPr lang="de-DE" smtClean="0"/>
               <a:pPr/>
-              <a:t>19.07.2015</a:t>
+              <a:t>22.07.2015</a:t>
             </a:fld>
             <a:endParaRPr lang="de-DE"/>
           </a:p>
@@ -9095,7 +9095,7 @@
             <a:fld id="{F18E697D-035E-4AD6-8B04-FBCEAC52EE36}" type="datetime1">
               <a:rPr lang="de-DE" smtClean="0"/>
               <a:pPr/>
-              <a:t>19.07.2015</a:t>
+              <a:t>22.07.2015</a:t>
             </a:fld>
             <a:endParaRPr lang="de-DE"/>
           </a:p>
@@ -10372,7 +10372,7 @@
             <a:fld id="{F18E697D-035E-4AD6-8B04-FBCEAC52EE36}" type="datetime1">
               <a:rPr lang="de-DE" smtClean="0"/>
               <a:pPr/>
-              <a:t>19.07.2015</a:t>
+              <a:t>22.07.2015</a:t>
             </a:fld>
             <a:endParaRPr lang="de-DE"/>
           </a:p>
@@ -11882,7 +11882,7 @@
             <a:fld id="{F18E697D-035E-4AD6-8B04-FBCEAC52EE36}" type="datetime1">
               <a:rPr lang="de-DE" smtClean="0"/>
               <a:pPr/>
-              <a:t>19.07.2015</a:t>
+              <a:t>22.07.2015</a:t>
             </a:fld>
             <a:endParaRPr lang="de-DE"/>
           </a:p>
@@ -12840,7 +12840,7 @@
           <a:p>
             <a:fld id="{45A906B5-8193-469F-A1B6-A15E95501162}" type="datetime1">
               <a:rPr lang="de-DE" smtClean="0"/>
-              <a:t>19.07.2015</a:t>
+              <a:t>22.07.2015</a:t>
             </a:fld>
             <a:endParaRPr lang="de-DE"/>
           </a:p>
@@ -13497,7 +13497,7 @@
           <a:p>
             <a:fld id="{45A906B5-8193-469F-A1B6-A15E95501162}" type="datetime1">
               <a:rPr lang="de-DE" smtClean="0"/>
-              <a:t>19.07.2015</a:t>
+              <a:t>22.07.2015</a:t>
             </a:fld>
             <a:endParaRPr lang="de-DE"/>
           </a:p>
@@ -14149,7 +14149,7 @@
           <a:p>
             <a:fld id="{EB996581-8E3B-4EEC-924C-B7694D29C84C}" type="datetime1">
               <a:rPr lang="de-DE" smtClean="0"/>
-              <a:t>19.07.2015</a:t>
+              <a:t>22.07.2015</a:t>
             </a:fld>
             <a:endParaRPr lang="de-DE"/>
           </a:p>
@@ -17975,7 +17975,7 @@
           <a:p>
             <a:fld id="{AE48A8F9-264C-471C-A421-C80DA8846A08}" type="datetime1">
               <a:rPr lang="de-DE" smtClean="0"/>
-              <a:t>19.07.2015</a:t>
+              <a:t>22.07.2015</a:t>
             </a:fld>
             <a:endParaRPr lang="de-DE" dirty="0"/>
           </a:p>
@@ -20304,7 +20304,7 @@
           <a:p>
             <a:fld id="{AE48A8F9-264C-471C-A421-C80DA8846A08}" type="datetime1">
               <a:rPr lang="de-DE" smtClean="0"/>
-              <a:t>19.07.2015</a:t>
+              <a:t>22.07.2015</a:t>
             </a:fld>
             <a:endParaRPr lang="de-DE" dirty="0"/>
           </a:p>
@@ -20481,7 +20481,7 @@
           <a:p>
             <a:fld id="{AE48A8F9-264C-471C-A421-C80DA8846A08}" type="datetime1">
               <a:rPr lang="de-DE" smtClean="0"/>
-              <a:t>19.07.2015</a:t>
+              <a:t>22.07.2015</a:t>
             </a:fld>
             <a:endParaRPr lang="de-DE" dirty="0"/>
           </a:p>
@@ -20693,7 +20693,7 @@
           <a:p>
             <a:fld id="{AE48A8F9-264C-471C-A421-C80DA8846A08}" type="datetime1">
               <a:rPr lang="de-DE" smtClean="0"/>
-              <a:t>19.07.2015</a:t>
+              <a:t>22.07.2015</a:t>
             </a:fld>
             <a:endParaRPr lang="de-DE" dirty="0"/>
           </a:p>
@@ -21003,7 +21003,7 @@
           <a:p>
             <a:fld id="{34E19B89-871B-44FB-A90B-DAA3E74A0BC4}" type="datetime1">
               <a:rPr lang="de-DE" smtClean="0"/>
-              <a:t>19.07.2015</a:t>
+              <a:t>22.07.2015</a:t>
             </a:fld>
             <a:endParaRPr lang="de-DE"/>
           </a:p>
@@ -21498,7 +21498,7 @@
             <a:fld id="{F18E697D-035E-4AD6-8B04-FBCEAC52EE36}" type="datetime1">
               <a:rPr lang="de-DE" smtClean="0"/>
               <a:pPr/>
-              <a:t>19.07.2015</a:t>
+              <a:t>22.07.2015</a:t>
             </a:fld>
             <a:endParaRPr lang="de-DE"/>
           </a:p>
@@ -21782,7 +21782,7 @@
           <a:p>
             <a:fld id="{AE48A8F9-264C-471C-A421-C80DA8846A08}" type="datetime1">
               <a:rPr lang="de-DE" smtClean="0"/>
-              <a:t>19.07.2015</a:t>
+              <a:t>22.07.2015</a:t>
             </a:fld>
             <a:endParaRPr lang="de-DE" dirty="0"/>
           </a:p>
@@ -25237,7 +25237,7 @@
             </a:r>
             <a:r>
               <a:rPr lang="de-DE" dirty="0" err="1" smtClean="0"/>
-              <a:t>demand</a:t>
+              <a:t>tomorrow‘s</a:t>
             </a:r>
             <a:r>
               <a:rPr lang="de-DE" dirty="0" smtClean="0"/>
@@ -25245,7 +25245,38 @@
             </a:r>
             <a:r>
               <a:rPr lang="de-DE" dirty="0" err="1" smtClean="0"/>
-              <a:t>of</a:t>
+              <a:t>demand</a:t>
+            </a:r>
+            <a:endParaRPr lang="de-DE" dirty="0" smtClean="0"/>
+          </a:p>
+          <a:p>
+            <a:endParaRPr lang="de-DE" dirty="0" smtClean="0"/>
+          </a:p>
+          <a:p>
+            <a:r>
+              <a:rPr lang="de-DE" dirty="0" smtClean="0"/>
+              <a:t>Model </a:t>
+            </a:r>
+            <a:r>
+              <a:rPr lang="de-DE" dirty="0" err="1" smtClean="0"/>
+              <a:t>examples</a:t>
+            </a:r>
+            <a:r>
+              <a:rPr lang="de-DE" dirty="0" smtClean="0"/>
+              <a:t> :</a:t>
+            </a:r>
+          </a:p>
+          <a:p>
+            <a:endParaRPr lang="de-DE" dirty="0"/>
+          </a:p>
+          <a:p>
+            <a:r>
+              <a:rPr lang="de-DE" dirty="0" smtClean="0"/>
+              <a:t>Take </a:t>
+            </a:r>
+            <a:r>
+              <a:rPr lang="de-DE" dirty="0" err="1" smtClean="0"/>
+              <a:t>yesterday‘s</a:t>
             </a:r>
             <a:r>
               <a:rPr lang="de-DE" dirty="0" smtClean="0"/>
@@ -25253,45 +25284,68 @@
             </a:r>
             <a:r>
               <a:rPr lang="de-DE" dirty="0" err="1" smtClean="0"/>
-              <a:t>tomorrow</a:t>
+              <a:t>sales</a:t>
+            </a:r>
+            <a:endParaRPr lang="de-DE" dirty="0" smtClean="0"/>
+          </a:p>
+          <a:p>
+            <a:r>
+              <a:rPr lang="de-DE" dirty="0" smtClean="0"/>
+              <a:t>Take </a:t>
+            </a:r>
+            <a:r>
+              <a:rPr lang="de-DE" dirty="0"/>
+              <a:t>last </a:t>
+            </a:r>
+            <a:r>
+              <a:rPr lang="de-DE" dirty="0" err="1"/>
+              <a:t>week</a:t>
+            </a:r>
+            <a:r>
+              <a:rPr lang="de-DE" dirty="0"/>
+              <a:t> </a:t>
+            </a:r>
+            <a:r>
+              <a:rPr lang="de-DE" dirty="0" err="1" smtClean="0"/>
+              <a:t>sales</a:t>
             </a:r>
             <a:r>
               <a:rPr lang="de-DE" dirty="0" smtClean="0"/>
               <a:t> </a:t>
             </a:r>
-          </a:p>
-          <a:p>
+            <a:r>
+              <a:rPr lang="de-DE" dirty="0" err="1"/>
+              <a:t>of</a:t>
+            </a:r>
+            <a:r>
+              <a:rPr lang="de-DE" dirty="0"/>
+              <a:t> same </a:t>
+            </a:r>
+            <a:r>
+              <a:rPr lang="de-DE" dirty="0" err="1" smtClean="0"/>
+              <a:t>weekday</a:t>
+            </a:r>
             <a:endParaRPr lang="de-DE" dirty="0" smtClean="0"/>
           </a:p>
           <a:p>
             <a:r>
+              <a:rPr lang="de-DE" dirty="0"/>
+              <a:t>R</a:t>
+            </a:r>
+            <a:r>
               <a:rPr lang="de-DE" dirty="0" smtClean="0"/>
-              <a:t>Model </a:t>
+              <a:t>olling </a:t>
             </a:r>
             <a:r>
               <a:rPr lang="de-DE" dirty="0" err="1" smtClean="0"/>
-              <a:t>examples</a:t>
-            </a:r>
-            <a:r>
-              <a:rPr lang="de-DE" dirty="0" smtClean="0"/>
-              <a:t> :</a:t>
-            </a:r>
-          </a:p>
-          <a:p>
-            <a:endParaRPr lang="de-DE" dirty="0"/>
-          </a:p>
-          <a:p>
-            <a:pPr marL="457200" indent="-457200">
-              <a:buFont typeface="Arial" panose="020B0604020202020204" pitchFamily="34" charset="0"/>
-              <a:buChar char="•"/>
-            </a:pPr>
-            <a:r>
-              <a:rPr lang="de-DE" dirty="0" smtClean="0"/>
-              <a:t>	Take </a:t>
-            </a:r>
+              <a:t>mean</a:t>
+            </a:r>
+            <a:endParaRPr lang="de-DE" dirty="0" smtClean="0"/>
+          </a:p>
+          <a:p>
             <a:r>
               <a:rPr lang="de-DE" dirty="0" err="1" smtClean="0"/>
-              <a:t>yesterday‘s</a:t>
+              <a:t>Moving</a:t>
             </a:r>
             <a:r>
               <a:rPr lang="de-DE" dirty="0" smtClean="0"/>
@@ -25299,99 +25353,14 @@
             </a:r>
             <a:r>
               <a:rPr lang="de-DE" dirty="0" err="1" smtClean="0"/>
-              <a:t>sales</a:t>
+              <a:t>average</a:t>
             </a:r>
             <a:endParaRPr lang="de-DE" dirty="0" smtClean="0"/>
           </a:p>
           <a:p>
-            <a:pPr marL="457200" indent="-457200">
-              <a:buFont typeface="Arial" panose="020B0604020202020204" pitchFamily="34" charset="0"/>
-              <a:buChar char="•"/>
-            </a:pPr>
             <a:r>
               <a:rPr lang="de-DE" dirty="0" smtClean="0"/>
-              <a:t>	Take </a:t>
-            </a:r>
-            <a:r>
-              <a:rPr lang="de-DE" dirty="0"/>
-              <a:t>last </a:t>
-            </a:r>
-            <a:r>
-              <a:rPr lang="de-DE" dirty="0" err="1"/>
-              <a:t>week</a:t>
-            </a:r>
-            <a:r>
-              <a:rPr lang="de-DE" dirty="0"/>
-              <a:t> </a:t>
-            </a:r>
-            <a:r>
-              <a:rPr lang="de-DE" dirty="0" err="1" smtClean="0"/>
-              <a:t>sales</a:t>
-            </a:r>
-            <a:r>
-              <a:rPr lang="de-DE" dirty="0" smtClean="0"/>
-              <a:t> </a:t>
-            </a:r>
-            <a:r>
-              <a:rPr lang="de-DE" dirty="0" err="1"/>
-              <a:t>of</a:t>
-            </a:r>
-            <a:r>
-              <a:rPr lang="de-DE" dirty="0"/>
-              <a:t> same </a:t>
-            </a:r>
-            <a:r>
-              <a:rPr lang="de-DE" dirty="0" err="1" smtClean="0"/>
-              <a:t>weekday</a:t>
-            </a:r>
-            <a:endParaRPr lang="de-DE" dirty="0" smtClean="0"/>
-          </a:p>
-          <a:p>
-            <a:pPr marL="457200" indent="-457200">
-              <a:buFont typeface="Arial" panose="020B0604020202020204" pitchFamily="34" charset="0"/>
-              <a:buChar char="•"/>
-            </a:pPr>
-            <a:r>
-              <a:rPr lang="de-DE" dirty="0" smtClean="0"/>
-              <a:t>	Rolling </a:t>
-            </a:r>
-            <a:r>
-              <a:rPr lang="de-DE" dirty="0" err="1" smtClean="0"/>
-              <a:t>mean</a:t>
-            </a:r>
-            <a:endParaRPr lang="de-DE" dirty="0" smtClean="0"/>
-          </a:p>
-          <a:p>
-            <a:pPr marL="457200" indent="-457200">
-              <a:buFont typeface="Arial" panose="020B0604020202020204" pitchFamily="34" charset="0"/>
-              <a:buChar char="•"/>
-            </a:pPr>
-            <a:r>
-              <a:rPr lang="de-DE" dirty="0" smtClean="0"/>
-              <a:t>	</a:t>
-            </a:r>
-            <a:r>
-              <a:rPr lang="de-DE" dirty="0" err="1" smtClean="0"/>
-              <a:t>Moving</a:t>
-            </a:r>
-            <a:r>
-              <a:rPr lang="de-DE" dirty="0" smtClean="0"/>
-              <a:t> </a:t>
-            </a:r>
-            <a:r>
-              <a:rPr lang="de-DE" dirty="0" err="1" smtClean="0"/>
-              <a:t>average</a:t>
-            </a:r>
-            <a:endParaRPr lang="de-DE" dirty="0" smtClean="0"/>
-          </a:p>
-          <a:p>
-            <a:pPr marL="457200" indent="-457200">
-              <a:buFont typeface="Arial" panose="020B0604020202020204" pitchFamily="34" charset="0"/>
-              <a:buChar char="•"/>
-            </a:pPr>
-            <a:r>
-              <a:rPr lang="de-DE" dirty="0" smtClean="0"/>
-              <a:t>	Gradient </a:t>
+              <a:t>Gradient </a:t>
             </a:r>
             <a:r>
               <a:rPr lang="de-DE" dirty="0" err="1" smtClean="0"/>
@@ -25608,11 +25577,7 @@
             </a:r>
             <a:r>
               <a:rPr lang="de-DE" dirty="0" smtClean="0"/>
-              <a:t> </a:t>
-            </a:r>
-            <a:r>
-              <a:rPr lang="de-DE" dirty="0" smtClean="0"/>
-              <a:t>= </a:t>
+              <a:t> = </a:t>
             </a:r>
             <a:r>
               <a:rPr lang="de-DE" dirty="0" err="1" smtClean="0"/>
@@ -26490,7 +26455,7 @@
             </a:r>
             <a:r>
               <a:rPr lang="de-DE" dirty="0" err="1" smtClean="0"/>
-              <a:t>expectation</a:t>
+              <a:t>the</a:t>
             </a:r>
             <a:r>
               <a:rPr lang="de-DE" dirty="0" smtClean="0"/>
@@ -26498,7 +26463,39 @@
             </a:r>
             <a:r>
               <a:rPr lang="de-DE" dirty="0" err="1" smtClean="0"/>
+              <a:t>expectation</a:t>
+            </a:r>
+            <a:r>
+              <a:rPr lang="de-DE" dirty="0" smtClean="0"/>
+              <a:t> </a:t>
+            </a:r>
+            <a:r>
+              <a:rPr lang="de-DE" dirty="0" err="1" smtClean="0"/>
               <a:t>value</a:t>
+            </a:r>
+            <a:r>
+              <a:rPr lang="de-DE" dirty="0" smtClean="0"/>
+              <a:t> </a:t>
+            </a:r>
+            <a:r>
+              <a:rPr lang="de-DE" dirty="0" err="1" smtClean="0"/>
+              <a:t>of</a:t>
+            </a:r>
+            <a:r>
+              <a:rPr lang="de-DE" dirty="0" smtClean="0"/>
+              <a:t> </a:t>
+            </a:r>
+            <a:r>
+              <a:rPr lang="de-DE" dirty="0" err="1" smtClean="0"/>
+              <a:t>your</a:t>
+            </a:r>
+            <a:r>
+              <a:rPr lang="de-DE" dirty="0" smtClean="0"/>
+              <a:t> </a:t>
+            </a:r>
+            <a:r>
+              <a:rPr lang="de-DE" dirty="0" err="1" smtClean="0"/>
+              <a:t>prediction</a:t>
             </a:r>
             <a:endParaRPr lang="de-DE" dirty="0" smtClean="0"/>
           </a:p>
@@ -26721,7 +26718,75 @@
             </a:r>
             <a:r>
               <a:rPr lang="de-DE" dirty="0" smtClean="0"/>
-              <a:t> rate versus out-</a:t>
+              <a:t> rate :</a:t>
+            </a:r>
+          </a:p>
+          <a:p>
+            <a:endParaRPr lang="de-DE" dirty="0" smtClean="0"/>
+          </a:p>
+          <a:p>
+            <a:r>
+              <a:rPr lang="de-DE" dirty="0" err="1"/>
+              <a:t>s</a:t>
+            </a:r>
+            <a:r>
+              <a:rPr lang="de-DE" dirty="0" err="1" smtClean="0"/>
+              <a:t>urplus</a:t>
+            </a:r>
+            <a:r>
+              <a:rPr lang="de-DE" dirty="0" smtClean="0"/>
+              <a:t> </a:t>
+            </a:r>
+            <a:r>
+              <a:rPr lang="de-DE" dirty="0" err="1" smtClean="0"/>
+              <a:t>amount</a:t>
+            </a:r>
+            <a:r>
+              <a:rPr lang="de-DE" dirty="0" smtClean="0"/>
+              <a:t>/</a:t>
+            </a:r>
+          </a:p>
+          <a:p>
+            <a:r>
+              <a:rPr lang="de-DE" dirty="0" err="1"/>
+              <a:t>s</a:t>
+            </a:r>
+            <a:r>
+              <a:rPr lang="de-DE" dirty="0" err="1" smtClean="0"/>
+              <a:t>old</a:t>
+            </a:r>
+            <a:r>
+              <a:rPr lang="de-DE" dirty="0" smtClean="0"/>
+              <a:t> </a:t>
+            </a:r>
+            <a:r>
+              <a:rPr lang="de-DE" dirty="0" err="1" smtClean="0"/>
+              <a:t>amount</a:t>
+            </a:r>
+            <a:endParaRPr lang="de-DE" dirty="0"/>
+          </a:p>
+          <a:p>
+            <a:endParaRPr lang="de-DE" dirty="0"/>
+          </a:p>
+          <a:p>
+            <a:r>
+              <a:rPr lang="de-DE" dirty="0" smtClean="0"/>
+              <a:t>OOS rate :</a:t>
+            </a:r>
+            <a:endParaRPr lang="de-DE" dirty="0" smtClean="0"/>
+          </a:p>
+          <a:p>
+            <a:r>
+              <a:rPr lang="de-DE" dirty="0" smtClean="0"/>
+              <a:t>‚item‘ </a:t>
+            </a:r>
+            <a:r>
+              <a:rPr lang="de-DE" dirty="0" err="1" smtClean="0"/>
+              <a:t>days</a:t>
+            </a:r>
+            <a:r>
+              <a:rPr lang="de-DE" dirty="0" smtClean="0"/>
+              <a:t> out </a:t>
             </a:r>
             <a:r>
               <a:rPr lang="de-DE" dirty="0" err="1" smtClean="0"/>
@@ -26729,8 +26794,44 @@
             </a:r>
             <a:r>
               <a:rPr lang="de-DE" dirty="0" smtClean="0"/>
-              <a:t>-stock rate</a:t>
-            </a:r>
+              <a:t> stock/</a:t>
+            </a:r>
+          </a:p>
+          <a:p>
+            <a:r>
+              <a:rPr lang="de-DE" dirty="0"/>
+              <a:t>a</a:t>
+            </a:r>
+            <a:r>
+              <a:rPr lang="de-DE" dirty="0" smtClean="0"/>
+              <a:t>ll </a:t>
+            </a:r>
+            <a:r>
+              <a:rPr lang="de-DE" dirty="0" err="1" smtClean="0"/>
+              <a:t>items</a:t>
+            </a:r>
+            <a:r>
+              <a:rPr lang="de-DE" dirty="0" smtClean="0"/>
+              <a:t> </a:t>
+            </a:r>
+            <a:r>
+              <a:rPr lang="de-DE" dirty="0" err="1" smtClean="0"/>
+              <a:t>times</a:t>
+            </a:r>
+            <a:r>
+              <a:rPr lang="de-DE" dirty="0" smtClean="0"/>
+              <a:t>  </a:t>
+            </a:r>
+            <a:r>
+              <a:rPr lang="de-DE" dirty="0" err="1" smtClean="0"/>
+              <a:t>days</a:t>
+            </a:r>
+            <a:endParaRPr lang="de-DE" dirty="0"/>
+          </a:p>
+          <a:p>
+            <a:endParaRPr lang="de-DE" dirty="0"/>
+          </a:p>
+          <a:p>
             <a:endParaRPr lang="de-DE" dirty="0"/>
           </a:p>
         </p:txBody>
@@ -26770,6 +26871,36 @@
           </a:p>
         </p:txBody>
       </p:sp>
+      <p:pic>
+        <p:nvPicPr>
+          <p:cNvPr id="2" name="Grafik 1"/>
+          <p:cNvPicPr>
+            <a:picLocks noChangeAspect="1"/>
+          </p:cNvPicPr>
+          <p:nvPr/>
+        </p:nvPicPr>
+        <p:blipFill>
+          <a:blip r:embed="rId2">
+            <a:extLst>
+              <a:ext uri="{28A0092B-C50C-407E-A947-70E740481C1C}">
+                <a14:useLocalDpi xmlns:a14="http://schemas.microsoft.com/office/drawing/2010/main" val="0"/>
+              </a:ext>
+            </a:extLst>
+          </a:blip>
+          <a:stretch>
+            <a:fillRect/>
+          </a:stretch>
+        </p:blipFill>
+        <p:spPr>
+          <a:xfrm>
+            <a:off x="4067944" y="2497288"/>
+            <a:ext cx="4860032" cy="3645024"/>
+          </a:xfrm>
+          <a:prstGeom prst="rect">
+            <a:avLst/>
+          </a:prstGeom>
+        </p:spPr>
+      </p:pic>
     </p:spTree>
     <p:extLst>
       <p:ext uri="{BB962C8B-B14F-4D97-AF65-F5344CB8AC3E}">
@@ -26870,81 +27001,115 @@
               </a:rPr>
               <a:t>docs.python.org/2/library/multiprocessing.html</a:t>
             </a:r>
-            <a:endParaRPr lang="de-DE" dirty="0" smtClean="0"/>
-          </a:p>
-          <a:p>
             <a:endParaRPr lang="de-DE" dirty="0"/>
           </a:p>
           <a:p>
-            <a:r>
-              <a:rPr lang="de-DE" dirty="0" smtClean="0"/>
-              <a:t>	</a:t>
-            </a:r>
-            <a:r>
-              <a:rPr lang="de-DE" dirty="0" err="1" smtClean="0"/>
+            <a:endParaRPr lang="de-DE" dirty="0"/>
+          </a:p>
+          <a:p>
+            <a:r>
+              <a:rPr lang="de-DE" dirty="0" err="1" smtClean="0">
+                <a:latin typeface="Myriad Pro SemiCond"/>
+              </a:rPr>
               <a:t>from</a:t>
             </a:r>
             <a:r>
-              <a:rPr lang="de-DE" dirty="0" smtClean="0"/>
+              <a:rPr lang="de-DE" dirty="0" smtClean="0">
+                <a:latin typeface="Myriad Pro SemiCond"/>
+              </a:rPr>
               <a:t> </a:t>
             </a:r>
             <a:r>
-              <a:rPr lang="de-DE" dirty="0" err="1"/>
+              <a:rPr lang="de-DE" dirty="0" err="1">
+                <a:latin typeface="Myriad Pro SemiCond"/>
+              </a:rPr>
               <a:t>multiprocessing</a:t>
             </a:r>
             <a:r>
-              <a:rPr lang="de-DE" dirty="0"/>
+              <a:rPr lang="de-DE" dirty="0">
+                <a:latin typeface="Myriad Pro SemiCond"/>
+              </a:rPr>
               <a:t> </a:t>
             </a:r>
             <a:r>
-              <a:rPr lang="de-DE" dirty="0" err="1"/>
+              <a:rPr lang="de-DE" dirty="0" err="1">
+                <a:latin typeface="Myriad Pro SemiCond"/>
+              </a:rPr>
               <a:t>import</a:t>
             </a:r>
             <a:r>
-              <a:rPr lang="de-DE" dirty="0"/>
+              <a:rPr lang="de-DE" dirty="0">
+                <a:latin typeface="Myriad Pro SemiCond"/>
+              </a:rPr>
               <a:t> </a:t>
             </a:r>
             <a:r>
-              <a:rPr lang="de-DE" dirty="0" smtClean="0"/>
+              <a:rPr lang="de-DE" dirty="0" smtClean="0">
+                <a:latin typeface="Myriad Pro SemiCond"/>
+              </a:rPr>
               <a:t>Pool</a:t>
             </a:r>
           </a:p>
           <a:p>
             <a:r>
-              <a:rPr lang="de-DE" dirty="0" smtClean="0"/>
-              <a:t>	p = Pool(4)</a:t>
-            </a:r>
-          </a:p>
-          <a:p>
-            <a:r>
-              <a:rPr lang="de-DE" dirty="0" smtClean="0"/>
-              <a:t>	</a:t>
-            </a:r>
-            <a:r>
-              <a:rPr lang="de-DE" dirty="0" err="1" smtClean="0"/>
+              <a:rPr lang="de-DE" dirty="0" smtClean="0">
+                <a:latin typeface="Myriad Pro SemiCond"/>
+              </a:rPr>
+              <a:t>p </a:t>
+            </a:r>
+            <a:r>
+              <a:rPr lang="de-DE" dirty="0" smtClean="0">
+                <a:latin typeface="Myriad Pro SemiCond"/>
+              </a:rPr>
+              <a:t>= Pool(4)</a:t>
+            </a:r>
+          </a:p>
+          <a:p>
+            <a:r>
+              <a:rPr lang="de-DE" dirty="0" err="1" smtClean="0">
+                <a:latin typeface="Myriad Pro SemiCond"/>
+              </a:rPr>
               <a:t>result</a:t>
             </a:r>
             <a:r>
-              <a:rPr lang="de-DE" dirty="0" smtClean="0"/>
-              <a:t> = </a:t>
-            </a:r>
-            <a:r>
-              <a:rPr lang="de-DE" dirty="0" err="1" smtClean="0"/>
+              <a:rPr lang="de-DE" dirty="0" smtClean="0">
+                <a:latin typeface="Myriad Pro SemiCond"/>
+              </a:rPr>
+              <a:t> </a:t>
+            </a:r>
+            <a:r>
+              <a:rPr lang="de-DE" dirty="0" smtClean="0">
+                <a:latin typeface="Myriad Pro SemiCond"/>
+              </a:rPr>
+              <a:t>= </a:t>
+            </a:r>
+            <a:r>
+              <a:rPr lang="de-DE" dirty="0" err="1" smtClean="0">
+                <a:latin typeface="Myriad Pro SemiCond"/>
+              </a:rPr>
               <a:t>p.map</a:t>
             </a:r>
             <a:r>
-              <a:rPr lang="de-DE" dirty="0" smtClean="0"/>
+              <a:rPr lang="de-DE" dirty="0" smtClean="0">
+                <a:latin typeface="Myriad Pro SemiCond"/>
+              </a:rPr>
               <a:t>(</a:t>
             </a:r>
             <a:r>
-              <a:rPr lang="de-DE" dirty="0" err="1" smtClean="0"/>
+              <a:rPr lang="de-DE" dirty="0" err="1" smtClean="0">
+                <a:latin typeface="Myriad Pro SemiCond"/>
+              </a:rPr>
               <a:t>f,list_of_values</a:t>
             </a:r>
             <a:r>
-              <a:rPr lang="de-DE" dirty="0" smtClean="0"/>
+              <a:rPr lang="de-DE" dirty="0" smtClean="0">
+                <a:latin typeface="Myriad Pro SemiCond"/>
+              </a:rPr>
               <a:t>)</a:t>
             </a:r>
-            <a:endParaRPr lang="de-DE" dirty="0"/>
+            <a:endParaRPr lang="de-DE" dirty="0">
+              <a:latin typeface="Myriad Pro SemiCond"/>
+            </a:endParaRPr>
           </a:p>
           <a:p>
             <a:endParaRPr lang="de-DE" dirty="0" smtClean="0"/>
@@ -27123,7 +27288,7 @@
           <a:p>
             <a:r>
               <a:rPr lang="de-DE" dirty="0" smtClean="0"/>
-              <a:t>	Code :</a:t>
+              <a:t>Code :</a:t>
             </a:r>
           </a:p>
           <a:p>
@@ -27131,27 +27296,31 @@
           </a:p>
           <a:p>
             <a:r>
-              <a:rPr lang="de-DE" dirty="0" smtClean="0"/>
-              <a:t>	</a:t>
+              <a:rPr lang="de-DE" dirty="0" smtClean="0">
+                <a:hlinkClick r:id="rId2"/>
+              </a:rPr>
+              <a:t>http</a:t>
             </a:r>
             <a:r>
               <a:rPr lang="de-DE" dirty="0">
                 <a:hlinkClick r:id="rId2"/>
               </a:rPr>
-              <a:t>http://pytest.org/latest/</a:t>
+              <a:t>://pytest.org/latest/</a:t>
             </a:r>
             <a:endParaRPr lang="de-DE" dirty="0"/>
           </a:p>
           <a:p>
             <a:r>
-              <a:rPr lang="de-DE" dirty="0" smtClean="0"/>
-              <a:t>	</a:t>
+              <a:rPr lang="de-DE" dirty="0" smtClean="0">
+                <a:hlinkClick r:id="rId3"/>
+              </a:rPr>
+              <a:t>https</a:t>
             </a:r>
             <a:r>
               <a:rPr lang="de-DE" dirty="0">
                 <a:hlinkClick r:id="rId3"/>
               </a:rPr>
-              <a:t>https://pypi.python.org/pypi/pytest-cov</a:t>
+              <a:t>://pypi.python.org/pypi/pytest-cov</a:t>
             </a:r>
             <a:endParaRPr lang="de-DE" dirty="0"/>
           </a:p>
@@ -27159,10 +27328,6 @@
             <a:endParaRPr lang="de-DE" dirty="0"/>
           </a:p>
           <a:p>
-            <a:r>
-              <a:rPr lang="de-DE" dirty="0" smtClean="0"/>
-              <a:t>	</a:t>
-            </a:r>
             <a:r>
               <a:rPr lang="de-DE" dirty="0" err="1" smtClean="0"/>
               <a:t>Config</a:t>
@@ -27190,14 +27355,16 @@
           </a:p>
           <a:p>
             <a:r>
-              <a:rPr lang="de-DE" dirty="0" smtClean="0"/>
-              <a:t>	</a:t>
+              <a:rPr lang="de-DE" dirty="0" smtClean="0">
+                <a:hlinkClick r:id="rId4"/>
+              </a:rPr>
+              <a:t>https</a:t>
             </a:r>
             <a:r>
               <a:rPr lang="de-DE" dirty="0">
                 <a:hlinkClick r:id="rId4"/>
               </a:rPr>
-              <a:t>https://</a:t>
+              <a:t>://</a:t>
             </a:r>
             <a:r>
               <a:rPr lang="de-DE" dirty="0" smtClean="0">
@@ -27331,7 +27498,7 @@
           <a:p>
             <a:r>
               <a:rPr lang="de-DE" dirty="0" smtClean="0"/>
-              <a:t>	Chose a </a:t>
+              <a:t>Chose a </a:t>
             </a:r>
             <a:r>
               <a:rPr lang="de-DE" dirty="0" err="1" smtClean="0"/>
@@ -27369,20 +27536,9 @@
               <a:rPr lang="de-DE" dirty="0" err="1" smtClean="0"/>
               <a:t>point</a:t>
             </a:r>
-            <a:r>
-              <a:rPr lang="de-DE" dirty="0" smtClean="0"/>
-              <a:t>                  </a:t>
-            </a:r>
-          </a:p>
-          <a:p>
-            <a:r>
-              <a:rPr lang="de-DE" dirty="0"/>
-              <a:t> </a:t>
-            </a:r>
-            <a:r>
-              <a:rPr lang="de-DE" dirty="0" smtClean="0"/>
-              <a:t>           </a:t>
-            </a:r>
+            <a:endParaRPr lang="de-DE" dirty="0" smtClean="0"/>
+          </a:p>
+          <a:p>
             <a:r>
               <a:rPr lang="de-DE" dirty="0" err="1" smtClean="0"/>
               <a:t>derived</a:t>
@@ -27419,21 +27575,9 @@
               <a:rPr lang="de-DE" dirty="0" err="1" smtClean="0"/>
               <a:t>and</a:t>
             </a:r>
-            <a:r>
-              <a:rPr lang="de-DE" dirty="0"/>
-              <a:t> </a:t>
-            </a:r>
             <a:endParaRPr lang="de-DE" dirty="0" smtClean="0"/>
           </a:p>
           <a:p>
-            <a:r>
-              <a:rPr lang="de-DE" dirty="0"/>
-              <a:t> </a:t>
-            </a:r>
-            <a:r>
-              <a:rPr lang="de-DE" dirty="0" smtClean="0"/>
-              <a:t>           </a:t>
-            </a:r>
             <a:r>
               <a:rPr lang="de-DE" dirty="0" err="1" smtClean="0"/>
               <a:t>calculate</a:t>
@@ -27484,14 +27628,6 @@
             </a:r>
           </a:p>
           <a:p>
-            <a:r>
-              <a:rPr lang="de-DE" dirty="0"/>
-              <a:t> </a:t>
-            </a:r>
-            <a:r>
-              <a:rPr lang="de-DE" dirty="0" smtClean="0"/>
-              <a:t>           </a:t>
-            </a:r>
             <a:r>
               <a:rPr lang="de-DE" dirty="0" err="1" smtClean="0"/>
               <a:t>for</a:t>
@@ -27661,10 +27797,6 @@
           </a:p>
           <a:p>
             <a:r>
-              <a:rPr lang="de-DE" dirty="0" smtClean="0"/>
-              <a:t>	</a:t>
-            </a:r>
-            <a:r>
               <a:rPr lang="de-DE" dirty="0" err="1" smtClean="0"/>
               <a:t>Logging</a:t>
             </a:r>
@@ -27683,70 +27815,99 @@
           </a:p>
           <a:p>
             <a:r>
-              <a:rPr lang="de-DE" dirty="0" smtClean="0"/>
-              <a:t>	https</a:t>
-            </a:r>
-            <a:r>
-              <a:rPr lang="de-DE" dirty="0"/>
-              <a:t>://</a:t>
-            </a:r>
-            <a:r>
-              <a:rPr lang="de-DE" dirty="0" smtClean="0"/>
-              <a:t>docs.python.org/2/library/logging.html</a:t>
-            </a:r>
-            <a:endParaRPr lang="de-DE" dirty="0"/>
-          </a:p>
-          <a:p>
-            <a:endParaRPr lang="de-DE" dirty="0"/>
-          </a:p>
-          <a:p>
-            <a:r>
-              <a:rPr lang="de-DE" dirty="0" smtClean="0"/>
-              <a:t>	Reporting/Monitoring/</a:t>
-            </a:r>
-            <a:r>
-              <a:rPr lang="de-DE" dirty="0" err="1" smtClean="0"/>
-              <a:t>Plotting</a:t>
-            </a:r>
-            <a:r>
-              <a:rPr lang="de-DE" dirty="0" smtClean="0"/>
-              <a:t> :</a:t>
-            </a:r>
-          </a:p>
-          <a:p>
-            <a:endParaRPr lang="de-DE" dirty="0" smtClean="0"/>
-          </a:p>
-          <a:p>
-            <a:r>
-              <a:rPr lang="de-DE" dirty="0" smtClean="0"/>
-              <a:t>	http</a:t>
-            </a:r>
-            <a:r>
-              <a:rPr lang="de-DE" dirty="0"/>
-              <a:t>://matplotlib.org/</a:t>
-            </a:r>
-          </a:p>
-          <a:p>
-            <a:r>
-              <a:rPr lang="de-DE" dirty="0" smtClean="0"/>
-              <a:t>	http</a:t>
-            </a:r>
-            <a:r>
-              <a:rPr lang="de-DE" dirty="0"/>
-              <a:t>://stanford.edu/~mwaskom/software/seaborn/</a:t>
-            </a:r>
-            <a:endParaRPr lang="de-DE" dirty="0" smtClean="0"/>
-          </a:p>
-          <a:p>
-            <a:r>
-              <a:rPr lang="de-DE" dirty="0" smtClean="0"/>
-              <a:t>	</a:t>
+              <a:rPr lang="de-DE" dirty="0" smtClean="0">
+                <a:hlinkClick r:id="rId2"/>
+              </a:rPr>
+              <a:t>https</a:t>
             </a:r>
             <a:r>
               <a:rPr lang="de-DE" dirty="0">
                 <a:hlinkClick r:id="rId2"/>
               </a:rPr>
-              <a:t>http://bokeh.pydata.org/en/latest/</a:t>
+              <a:t>://</a:t>
+            </a:r>
+            <a:r>
+              <a:rPr lang="de-DE" dirty="0" smtClean="0">
+                <a:hlinkClick r:id="rId2"/>
+              </a:rPr>
+              <a:t>docs.python.org/2/library/logging.html</a:t>
+            </a:r>
+            <a:endParaRPr lang="de-DE" dirty="0" smtClean="0"/>
+          </a:p>
+          <a:p>
+            <a:endParaRPr lang="de-DE" dirty="0"/>
+          </a:p>
+          <a:p>
+            <a:r>
+              <a:rPr lang="de-DE" dirty="0" smtClean="0"/>
+              <a:t>Reporting/Monitoring/</a:t>
+            </a:r>
+            <a:r>
+              <a:rPr lang="de-DE" dirty="0" err="1" smtClean="0"/>
+              <a:t>Plotting</a:t>
+            </a:r>
+            <a:r>
+              <a:rPr lang="de-DE" dirty="0" smtClean="0"/>
+              <a:t> :</a:t>
+            </a:r>
+          </a:p>
+          <a:p>
+            <a:endParaRPr lang="de-DE" dirty="0" smtClean="0"/>
+          </a:p>
+          <a:p>
+            <a:r>
+              <a:rPr lang="de-DE" dirty="0" smtClean="0">
+                <a:hlinkClick r:id="rId3"/>
+              </a:rPr>
+              <a:t>http</a:t>
+            </a:r>
+            <a:r>
+              <a:rPr lang="de-DE" dirty="0">
+                <a:hlinkClick r:id="rId3"/>
+              </a:rPr>
+              <a:t>://matplotlib.org</a:t>
+            </a:r>
+            <a:r>
+              <a:rPr lang="de-DE" dirty="0" smtClean="0">
+                <a:hlinkClick r:id="rId3"/>
+              </a:rPr>
+              <a:t>/</a:t>
+            </a:r>
+            <a:endParaRPr lang="de-DE" dirty="0" smtClean="0"/>
+          </a:p>
+          <a:p>
+            <a:r>
+              <a:rPr lang="de-DE" dirty="0" smtClean="0">
+                <a:hlinkClick r:id="rId4"/>
+              </a:rPr>
+              <a:t>http</a:t>
+            </a:r>
+            <a:r>
+              <a:rPr lang="de-DE" dirty="0">
+                <a:hlinkClick r:id="rId4"/>
+              </a:rPr>
+              <a:t>://stanford.edu/~mwaskom/software/seaborn</a:t>
+            </a:r>
+            <a:r>
+              <a:rPr lang="de-DE" dirty="0" smtClean="0">
+                <a:hlinkClick r:id="rId4"/>
+              </a:rPr>
+              <a:t>/</a:t>
+            </a:r>
+            <a:endParaRPr lang="de-DE" dirty="0" smtClean="0"/>
+          </a:p>
+          <a:p>
+            <a:r>
+              <a:rPr lang="de-DE" dirty="0" smtClean="0">
+                <a:hlinkClick r:id="rId5"/>
+              </a:rPr>
+              <a:t>http</a:t>
+            </a:r>
+            <a:r>
+              <a:rPr lang="de-DE" dirty="0">
+                <a:hlinkClick r:id="rId5"/>
+              </a:rPr>
+              <a:t>://bokeh.pydata.org/en/latest/</a:t>
             </a:r>
             <a:endParaRPr lang="de-DE" dirty="0"/>
           </a:p>
@@ -27889,10 +28050,6 @@
           </a:p>
           <a:p>
             <a:r>
-              <a:rPr lang="de-DE" dirty="0" smtClean="0"/>
-              <a:t>	</a:t>
-            </a:r>
-            <a:r>
               <a:rPr lang="de-DE" dirty="0" err="1" smtClean="0"/>
               <a:t>Documentation</a:t>
             </a:r>
@@ -27905,10 +28062,6 @@
             <a:endParaRPr lang="de-DE" dirty="0"/>
           </a:p>
           <a:p>
-            <a:r>
-              <a:rPr lang="de-DE" dirty="0" smtClean="0"/>
-              <a:t>	</a:t>
-            </a:r>
             <a:r>
               <a:rPr lang="de-DE" dirty="0" smtClean="0">
                 <a:hlinkClick r:id="rId2"/>
@@ -27934,10 +28087,6 @@
           </a:p>
           <a:p>
             <a:r>
-              <a:rPr lang="de-DE" dirty="0" smtClean="0"/>
-              <a:t>	</a:t>
-            </a:r>
-            <a:r>
               <a:rPr lang="de-DE" dirty="0" err="1" smtClean="0"/>
               <a:t>Deployment</a:t>
             </a:r>
@@ -27950,10 +28099,6 @@
             <a:endParaRPr lang="de-DE" dirty="0"/>
           </a:p>
           <a:p>
-            <a:r>
-              <a:rPr lang="de-DE" dirty="0" smtClean="0"/>
-              <a:t>	</a:t>
-            </a:r>
             <a:r>
               <a:rPr lang="de-DE" dirty="0" smtClean="0">
                 <a:hlinkClick r:id="rId3"/>
@@ -27976,14 +28121,16 @@
           </a:p>
           <a:p>
             <a:r>
-              <a:rPr lang="de-DE" dirty="0"/>
-              <a:t>	</a:t>
+              <a:rPr lang="de-DE" dirty="0" smtClean="0">
+                <a:hlinkClick r:id="rId4"/>
+              </a:rPr>
+              <a:t>http</a:t>
             </a:r>
             <a:r>
               <a:rPr lang="de-DE" dirty="0">
                 <a:hlinkClick r:id="rId4"/>
               </a:rPr>
-              <a:t>http://www.ansible.com/application-deployment</a:t>
+              <a:t>://www.ansible.com/application-deployment</a:t>
             </a:r>
             <a:endParaRPr lang="de-DE" dirty="0"/>
           </a:p>
@@ -28078,6 +28225,74 @@
       </p:grpSpPr>
       <p:sp>
         <p:nvSpPr>
+          <p:cNvPr id="31" name="Rechteck 30"/>
+          <p:cNvSpPr/>
+          <p:nvPr/>
+        </p:nvSpPr>
+        <p:spPr bwMode="gray">
+          <a:xfrm>
+            <a:off x="468000" y="2708920"/>
+            <a:ext cx="5904200" cy="3240360"/>
+          </a:xfrm>
+          <a:prstGeom prst="rect">
+            <a:avLst/>
+          </a:prstGeom>
+          <a:solidFill>
+            <a:schemeClr val="tx2">
+              <a:alpha val="13000"/>
+            </a:schemeClr>
+          </a:solidFill>
+          <a:ln>
+            <a:noFill/>
+          </a:ln>
+        </p:spPr>
+        <p:style>
+          <a:lnRef idx="2">
+            <a:schemeClr val="accent1">
+              <a:shade val="50000"/>
+            </a:schemeClr>
+          </a:lnRef>
+          <a:fillRef idx="1">
+            <a:schemeClr val="accent1"/>
+          </a:fillRef>
+          <a:effectRef idx="0">
+            <a:schemeClr val="accent1"/>
+          </a:effectRef>
+          <a:fontRef idx="minor">
+            <a:schemeClr val="lt1"/>
+          </a:fontRef>
+        </p:style>
+        <p:txBody>
+          <a:bodyPr lIns="72000" tIns="72000" rIns="72000" bIns="72000" rtlCol="0" anchor="ctr"/>
+          <a:lstStyle/>
+          <a:p>
+            <a:pPr marL="144000" indent="-144000" algn="ctr">
+              <a:lnSpc>
+                <a:spcPct val="90000"/>
+              </a:lnSpc>
+              <a:spcBef>
+                <a:spcPts val="200"/>
+              </a:spcBef>
+              <a:spcAft>
+                <a:spcPts val="400"/>
+              </a:spcAft>
+              <a:buClr>
+                <a:schemeClr val="bg1"/>
+              </a:buClr>
+              <a:buSzPct val="110000"/>
+              <a:buFont typeface="Arial" panose="020B0604020202020204" pitchFamily="34" charset="0"/>
+              <a:buChar char="•"/>
+            </a:pPr>
+            <a:endParaRPr lang="de-DE" sz="1600" dirty="0" err="1" smtClean="0">
+              <a:solidFill>
+                <a:schemeClr val="bg1"/>
+              </a:solidFill>
+            </a:endParaRPr>
+          </a:p>
+        </p:txBody>
+      </p:sp>
+      <p:sp>
+        <p:nvSpPr>
           <p:cNvPr id="5" name="Text Placeholder 4"/>
           <p:cNvSpPr>
             <a:spLocks noGrp="1"/>
@@ -28097,8 +28312,12 @@
           <a:lstStyle/>
           <a:p>
             <a:r>
+              <a:rPr lang="de-DE" dirty="0" err="1"/>
+              <a:t>P</a:t>
+            </a:r>
+            <a:r>
               <a:rPr lang="de-DE" dirty="0" err="1" smtClean="0"/>
-              <a:t>Putting</a:t>
+              <a:t>utting</a:t>
             </a:r>
             <a:r>
               <a:rPr lang="de-DE" dirty="0" smtClean="0"/>
@@ -28118,7 +28337,7 @@
             </a:r>
             <a:r>
               <a:rPr lang="de-DE" dirty="0" smtClean="0"/>
-              <a:t> :</a:t>
+              <a:t> </a:t>
             </a:r>
             <a:endParaRPr lang="de-DE" dirty="0"/>
           </a:p>
@@ -28231,7 +28450,7 @@
         </p:nvSpPr>
         <p:spPr bwMode="gray">
           <a:xfrm>
-            <a:off x="4067944" y="4365104"/>
+            <a:off x="4067944" y="4941168"/>
             <a:ext cx="1944216" cy="576064"/>
           </a:xfrm>
           <a:prstGeom prst="roundRect">
@@ -28506,7 +28725,7 @@
         <p:spPr bwMode="gray">
           <a:xfrm>
             <a:off x="1871700" y="3645024"/>
-            <a:ext cx="2196244" cy="1008112"/>
+            <a:ext cx="2196244" cy="1584176"/>
           </a:xfrm>
           <a:prstGeom prst="straightConnector1">
             <a:avLst/>
@@ -28545,7 +28764,7 @@
         <p:spPr bwMode="gray">
           <a:xfrm>
             <a:off x="5040052" y="3645024"/>
-            <a:ext cx="0" cy="720080"/>
+            <a:ext cx="0" cy="1296144"/>
           </a:xfrm>
           <a:prstGeom prst="straightConnector1">
             <a:avLst/>
@@ -28583,8 +28802,8 @@
         </p:nvCxnSpPr>
         <p:spPr bwMode="gray">
           <a:xfrm flipH="1">
-            <a:off x="2843808" y="4653136"/>
-            <a:ext cx="1224136" cy="576064"/>
+            <a:off x="2843808" y="5229200"/>
+            <a:ext cx="1224136" cy="0"/>
           </a:xfrm>
           <a:prstGeom prst="straightConnector1">
             <a:avLst/>
@@ -28861,74 +29080,6 @@
           </a:p>
         </p:txBody>
       </p:sp>
-      <p:sp>
-        <p:nvSpPr>
-          <p:cNvPr id="31" name="Rechteck 30"/>
-          <p:cNvSpPr/>
-          <p:nvPr/>
-        </p:nvSpPr>
-        <p:spPr bwMode="gray">
-          <a:xfrm>
-            <a:off x="468000" y="2636912"/>
-            <a:ext cx="5904200" cy="3240360"/>
-          </a:xfrm>
-          <a:prstGeom prst="rect">
-            <a:avLst/>
-          </a:prstGeom>
-          <a:solidFill>
-            <a:schemeClr val="tx2">
-              <a:alpha val="13000"/>
-            </a:schemeClr>
-          </a:solidFill>
-          <a:ln>
-            <a:noFill/>
-          </a:ln>
-        </p:spPr>
-        <p:style>
-          <a:lnRef idx="2">
-            <a:schemeClr val="accent1">
-              <a:shade val="50000"/>
-            </a:schemeClr>
-          </a:lnRef>
-          <a:fillRef idx="1">
-            <a:schemeClr val="accent1"/>
-          </a:fillRef>
-          <a:effectRef idx="0">
-            <a:schemeClr val="accent1"/>
-          </a:effectRef>
-          <a:fontRef idx="minor">
-            <a:schemeClr val="lt1"/>
-          </a:fontRef>
-        </p:style>
-        <p:txBody>
-          <a:bodyPr lIns="72000" tIns="72000" rIns="72000" bIns="72000" rtlCol="0" anchor="ctr"/>
-          <a:lstStyle/>
-          <a:p>
-            <a:pPr marL="144000" indent="-144000" algn="ctr">
-              <a:lnSpc>
-                <a:spcPct val="90000"/>
-              </a:lnSpc>
-              <a:spcBef>
-                <a:spcPts val="200"/>
-              </a:spcBef>
-              <a:spcAft>
-                <a:spcPts val="400"/>
-              </a:spcAft>
-              <a:buClr>
-                <a:schemeClr val="bg1"/>
-              </a:buClr>
-              <a:buSzPct val="110000"/>
-              <a:buFont typeface="Arial" panose="020B0604020202020204" pitchFamily="34" charset="0"/>
-              <a:buChar char="•"/>
-            </a:pPr>
-            <a:endParaRPr lang="de-DE" sz="1600" dirty="0" err="1" smtClean="0">
-              <a:solidFill>
-                <a:schemeClr val="bg1"/>
-              </a:solidFill>
-            </a:endParaRPr>
-          </a:p>
-        </p:txBody>
-      </p:sp>
       <p:cxnSp>
         <p:nvCxnSpPr>
           <p:cNvPr id="33" name="Gerade Verbindung mit Pfeil 32"/>
@@ -28941,7 +29092,7 @@
         <p:spPr bwMode="gray">
           <a:xfrm flipH="1">
             <a:off x="6372200" y="2996952"/>
-            <a:ext cx="576064" cy="1260140"/>
+            <a:ext cx="576064" cy="1332148"/>
           </a:xfrm>
           <a:prstGeom prst="straightConnector1">
             <a:avLst/>
@@ -28978,9 +29129,9 @@
           <p:nvPr/>
         </p:nvCxnSpPr>
         <p:spPr bwMode="gray">
-          <a:xfrm flipH="1" flipV="1">
-            <a:off x="6372200" y="4257092"/>
-            <a:ext cx="575608" cy="16319"/>
+          <a:xfrm flipH="1">
+            <a:off x="6372200" y="4273411"/>
+            <a:ext cx="575608" cy="55689"/>
           </a:xfrm>
           <a:prstGeom prst="straightConnector1">
             <a:avLst/>
@@ -29018,8 +29169,8 @@
         </p:nvCxnSpPr>
         <p:spPr bwMode="gray">
           <a:xfrm flipH="1" flipV="1">
-            <a:off x="6372200" y="4257092"/>
-            <a:ext cx="575608" cy="1296144"/>
+            <a:off x="6372200" y="4329100"/>
+            <a:ext cx="575608" cy="1224136"/>
           </a:xfrm>
           <a:prstGeom prst="straightConnector1">
             <a:avLst/>
@@ -29248,12 +29399,7 @@
             <p:ph type="body" sz="quarter" idx="13"/>
           </p:nvPr>
         </p:nvSpPr>
-        <p:spPr bwMode="gray">
-          <a:xfrm>
-            <a:off x="468000" y="1700483"/>
-            <a:ext cx="8208000" cy="4537075"/>
-          </a:xfrm>
-        </p:spPr>
+        <p:spPr bwMode="gray"/>
         <p:txBody>
           <a:bodyPr/>
           <a:lstStyle/>
@@ -29380,7 +29526,7 @@
             </a:r>
             <a:r>
               <a:rPr lang="de-DE" dirty="0" smtClean="0"/>
-              <a:t> on simple </a:t>
+              <a:t> on a simple </a:t>
             </a:r>
             <a:r>
               <a:rPr lang="de-DE" dirty="0" err="1" smtClean="0"/>
@@ -29402,14 +29548,6 @@
           </a:p>
           <a:p>
             <a:r>
-              <a:rPr lang="de-DE" dirty="0"/>
-              <a:t>	</a:t>
-            </a:r>
-            <a:r>
-              <a:rPr lang="de-DE" dirty="0" smtClean="0"/>
-              <a:t>	</a:t>
-            </a:r>
-            <a:r>
               <a:rPr lang="de-DE" dirty="0" err="1" smtClean="0"/>
               <a:t>Thank</a:t>
             </a:r>
@@ -29445,9 +29583,65 @@
               <a:rPr lang="de-DE" dirty="0" err="1" smtClean="0"/>
               <a:t>attention</a:t>
             </a:r>
+            <a:r>
+              <a:rPr lang="de-DE" dirty="0" smtClean="0"/>
+              <a:t> </a:t>
+            </a:r>
+            <a:r>
+              <a:rPr lang="de-DE" dirty="0" err="1" smtClean="0"/>
+              <a:t>and</a:t>
+            </a:r>
+            <a:r>
+              <a:rPr lang="de-DE" dirty="0" smtClean="0"/>
+              <a:t> </a:t>
+            </a:r>
+            <a:r>
+              <a:rPr lang="de-DE" dirty="0" err="1" smtClean="0"/>
+              <a:t>visit</a:t>
+            </a:r>
+            <a:r>
+              <a:rPr lang="de-DE" dirty="0" smtClean="0"/>
+              <a:t> </a:t>
+            </a:r>
+            <a:r>
+              <a:rPr lang="de-DE" dirty="0" err="1" smtClean="0"/>
+              <a:t>us</a:t>
+            </a:r>
+            <a:r>
+              <a:rPr lang="de-DE" dirty="0" smtClean="0"/>
+              <a:t> at </a:t>
+            </a:r>
+            <a:r>
+              <a:rPr lang="de-DE" dirty="0" err="1" smtClean="0"/>
+              <a:t>our</a:t>
+            </a:r>
             <a:endParaRPr lang="de-DE" dirty="0" smtClean="0"/>
           </a:p>
           <a:p>
+            <a:r>
+              <a:rPr lang="de-DE" dirty="0" err="1"/>
+              <a:t>b</a:t>
+            </a:r>
+            <a:r>
+              <a:rPr lang="de-DE" dirty="0" err="1" smtClean="0"/>
+              <a:t>lue</a:t>
+            </a:r>
+            <a:r>
+              <a:rPr lang="de-DE" dirty="0" smtClean="0"/>
+              <a:t> </a:t>
+            </a:r>
+            <a:r>
+              <a:rPr lang="de-DE" dirty="0" err="1" smtClean="0"/>
+              <a:t>yonder</a:t>
+            </a:r>
+            <a:r>
+              <a:rPr lang="de-DE" dirty="0" smtClean="0"/>
+              <a:t> </a:t>
+            </a:r>
+            <a:r>
+              <a:rPr lang="de-DE" dirty="0" err="1" smtClean="0"/>
+              <a:t>booth</a:t>
+            </a:r>
             <a:endParaRPr lang="de-DE" dirty="0" smtClean="0"/>
           </a:p>
           <a:p>
@@ -31476,10 +31670,6 @@
           </a:p>
           <a:p>
             <a:r>
-              <a:rPr lang="de-DE" dirty="0" smtClean="0"/>
-              <a:t>	</a:t>
-            </a:r>
-            <a:r>
               <a:rPr lang="de-DE" dirty="0" err="1" smtClean="0"/>
               <a:t>No</a:t>
             </a:r>
@@ -31512,7 +31702,7 @@
           <a:p>
             <a:r>
               <a:rPr lang="de-DE" dirty="0" smtClean="0"/>
-              <a:t>	Data </a:t>
+              <a:t>Data </a:t>
             </a:r>
             <a:r>
               <a:rPr lang="de-DE" dirty="0" err="1" smtClean="0"/>
@@ -31554,10 +31744,6 @@
           </a:p>
           <a:p>
             <a:r>
-              <a:rPr lang="de-DE" dirty="0" smtClean="0"/>
-              <a:t>	</a:t>
-            </a:r>
-            <a:r>
               <a:rPr lang="de-DE" dirty="0" err="1" smtClean="0"/>
               <a:t>Prediction</a:t>
             </a:r>
@@ -31589,10 +31775,6 @@
           </a:p>
           <a:p>
             <a:r>
-              <a:rPr lang="de-DE" dirty="0" smtClean="0"/>
-              <a:t>	</a:t>
-            </a:r>
-            <a:r>
               <a:rPr lang="de-DE" dirty="0" err="1" smtClean="0"/>
               <a:t>Testing</a:t>
             </a:r>
@@ -31624,10 +31806,6 @@
           </a:p>
           <a:p>
             <a:r>
-              <a:rPr lang="de-DE" dirty="0" smtClean="0"/>
-              <a:t>	</a:t>
-            </a:r>
-            <a:r>
               <a:rPr lang="de-DE" dirty="0" err="1" smtClean="0"/>
               <a:t>Plotting</a:t>
             </a:r>
@@ -31651,10 +31829,6 @@
           </a:p>
           <a:p>
             <a:r>
-              <a:rPr lang="de-DE" dirty="0" smtClean="0"/>
-              <a:t>	</a:t>
-            </a:r>
-            <a:r>
               <a:rPr lang="de-DE" dirty="0" err="1" smtClean="0"/>
               <a:t>Logging</a:t>
             </a:r>
@@ -31662,20 +31836,12 @@
           </a:p>
           <a:p>
             <a:r>
-              <a:rPr lang="de-DE" dirty="0" smtClean="0"/>
-              <a:t>	</a:t>
-            </a:r>
-            <a:r>
               <a:rPr lang="de-DE" dirty="0" err="1" smtClean="0"/>
               <a:t>Documentation</a:t>
             </a:r>
             <a:endParaRPr lang="de-DE" dirty="0" smtClean="0"/>
           </a:p>
           <a:p>
-            <a:r>
-              <a:rPr lang="de-DE" dirty="0" smtClean="0"/>
-              <a:t>	</a:t>
-            </a:r>
             <a:r>
               <a:rPr lang="de-DE" dirty="0" err="1" smtClean="0"/>
               <a:t>Deployment</a:t>
